--- a/ppt 16-9/0352.朋友,快信耶稣.pptx
+++ b/ppt 16-9/0352.朋友,快信耶稣.pptx
@@ -5,7 +5,7 @@
     <p:sldMasterId id="2147483648" r:id="rId1"/>
   </p:sldMasterIdLst>
   <p:sldIdLst>
-    <p:sldId id="3257" r:id="rId2"/>
+    <p:sldId id="3258" r:id="rId2"/>
   </p:sldIdLst>
   <p:sldSz cx="12192000" cy="6858000"/>
   <p:notesSz cx="6858000" cy="9144000"/>
@@ -129,7 +129,7 @@
           <p:cNvPr id="2" name="标题 1">
             <a:extLst>
               <a:ext uri="{FF2B5EF4-FFF2-40B4-BE49-F238E27FC236}">
-                <a16:creationId xmlns:a16="http://schemas.microsoft.com/office/drawing/2014/main" id="{C10C688E-E8C0-BD55-7741-13C9097DB443}"/>
+                <a16:creationId xmlns:a16="http://schemas.microsoft.com/office/drawing/2014/main" id="{D77F114F-24A5-8650-C1DC-D5E7358D530B}"/>
               </a:ext>
             </a:extLst>
           </p:cNvPr>
@@ -166,7 +166,7 @@
           <p:cNvPr id="3" name="副标题 2">
             <a:extLst>
               <a:ext uri="{FF2B5EF4-FFF2-40B4-BE49-F238E27FC236}">
-                <a16:creationId xmlns:a16="http://schemas.microsoft.com/office/drawing/2014/main" id="{1316ADF8-2400-F65D-B68E-5A3DA1017F68}"/>
+                <a16:creationId xmlns:a16="http://schemas.microsoft.com/office/drawing/2014/main" id="{832490D0-9B9F-3F6A-F297-8FF963A3FA14}"/>
               </a:ext>
             </a:extLst>
           </p:cNvPr>
@@ -236,7 +236,7 @@
           <p:cNvPr id="4" name="日期占位符 3">
             <a:extLst>
               <a:ext uri="{FF2B5EF4-FFF2-40B4-BE49-F238E27FC236}">
-                <a16:creationId xmlns:a16="http://schemas.microsoft.com/office/drawing/2014/main" id="{BE1BE6FC-D036-F5B5-21B7-B4C391FBDD2E}"/>
+                <a16:creationId xmlns:a16="http://schemas.microsoft.com/office/drawing/2014/main" id="{15A2C790-1435-0984-9308-3A4DA38C6CF2}"/>
               </a:ext>
             </a:extLst>
           </p:cNvPr>
@@ -252,7 +252,7 @@
           <a:bodyPr/>
           <a:lstStyle/>
           <a:p>
-            <a:fld id="{6B13A9B7-F79E-4C04-BED9-60C6EB7F71C0}" type="datetimeFigureOut">
+            <a:fld id="{6A3C2552-897C-4277-A1ED-A723CBE4BA76}" type="datetimeFigureOut">
               <a:rPr lang="zh-CN" altLang="en-US" smtClean="0"/>
               <a:t>2024/3/10</a:t>
             </a:fld>
@@ -265,7 +265,7 @@
           <p:cNvPr id="5" name="页脚占位符 4">
             <a:extLst>
               <a:ext uri="{FF2B5EF4-FFF2-40B4-BE49-F238E27FC236}">
-                <a16:creationId xmlns:a16="http://schemas.microsoft.com/office/drawing/2014/main" id="{3E8E40AD-B487-78BE-409C-72E07AB0D34D}"/>
+                <a16:creationId xmlns:a16="http://schemas.microsoft.com/office/drawing/2014/main" id="{BF457931-385D-DACD-4BDC-D1F2B947FF2C}"/>
               </a:ext>
             </a:extLst>
           </p:cNvPr>
@@ -290,7 +290,7 @@
           <p:cNvPr id="6" name="灯片编号占位符 5">
             <a:extLst>
               <a:ext uri="{FF2B5EF4-FFF2-40B4-BE49-F238E27FC236}">
-                <a16:creationId xmlns:a16="http://schemas.microsoft.com/office/drawing/2014/main" id="{93D97627-9C25-29B4-006C-709CE52B547E}"/>
+                <a16:creationId xmlns:a16="http://schemas.microsoft.com/office/drawing/2014/main" id="{D2570BC5-803D-58F0-69E2-17906BFA51C3}"/>
               </a:ext>
             </a:extLst>
           </p:cNvPr>
@@ -306,7 +306,7 @@
           <a:bodyPr/>
           <a:lstStyle/>
           <a:p>
-            <a:fld id="{BB0C4D00-2A08-4FCC-97C3-E2C08C3143AA}" type="slidenum">
+            <a:fld id="{C6E97603-C168-48D2-A22D-185F99AD5483}" type="slidenum">
               <a:rPr lang="zh-CN" altLang="en-US" smtClean="0"/>
               <a:t>‹#›</a:t>
             </a:fld>
@@ -317,7 +317,7 @@
     </p:spTree>
     <p:extLst>
       <p:ext uri="{BB962C8B-B14F-4D97-AF65-F5344CB8AC3E}">
-        <p14:creationId xmlns:p14="http://schemas.microsoft.com/office/powerpoint/2010/main" val="1019559842"/>
+        <p14:creationId xmlns:p14="http://schemas.microsoft.com/office/powerpoint/2010/main" val="655336815"/>
       </p:ext>
     </p:extLst>
   </p:cSld>
@@ -349,7 +349,7 @@
           <p:cNvPr id="2" name="标题 1">
             <a:extLst>
               <a:ext uri="{FF2B5EF4-FFF2-40B4-BE49-F238E27FC236}">
-                <a16:creationId xmlns:a16="http://schemas.microsoft.com/office/drawing/2014/main" id="{B4A54472-D9DE-A2D7-4B22-DEA54C424278}"/>
+                <a16:creationId xmlns:a16="http://schemas.microsoft.com/office/drawing/2014/main" id="{367C46F3-56B1-F6B0-1135-789A1C38DB58}"/>
               </a:ext>
             </a:extLst>
           </p:cNvPr>
@@ -377,7 +377,7 @@
           <p:cNvPr id="3" name="竖排文字占位符 2">
             <a:extLst>
               <a:ext uri="{FF2B5EF4-FFF2-40B4-BE49-F238E27FC236}">
-                <a16:creationId xmlns:a16="http://schemas.microsoft.com/office/drawing/2014/main" id="{D7546915-32A2-C36D-992A-D1C0DC2ADF6B}"/>
+                <a16:creationId xmlns:a16="http://schemas.microsoft.com/office/drawing/2014/main" id="{8B4B9290-74D2-04E6-666A-F8F395F7A6BD}"/>
               </a:ext>
             </a:extLst>
           </p:cNvPr>
@@ -434,7 +434,7 @@
           <p:cNvPr id="4" name="日期占位符 3">
             <a:extLst>
               <a:ext uri="{FF2B5EF4-FFF2-40B4-BE49-F238E27FC236}">
-                <a16:creationId xmlns:a16="http://schemas.microsoft.com/office/drawing/2014/main" id="{D7DA1670-B61A-1569-7AC6-FAB765BE638E}"/>
+                <a16:creationId xmlns:a16="http://schemas.microsoft.com/office/drawing/2014/main" id="{4A9FAE8C-D8B1-8BF0-FF22-AE8516C60D5B}"/>
               </a:ext>
             </a:extLst>
           </p:cNvPr>
@@ -450,7 +450,7 @@
           <a:bodyPr/>
           <a:lstStyle/>
           <a:p>
-            <a:fld id="{6B13A9B7-F79E-4C04-BED9-60C6EB7F71C0}" type="datetimeFigureOut">
+            <a:fld id="{6A3C2552-897C-4277-A1ED-A723CBE4BA76}" type="datetimeFigureOut">
               <a:rPr lang="zh-CN" altLang="en-US" smtClean="0"/>
               <a:t>2024/3/10</a:t>
             </a:fld>
@@ -463,7 +463,7 @@
           <p:cNvPr id="5" name="页脚占位符 4">
             <a:extLst>
               <a:ext uri="{FF2B5EF4-FFF2-40B4-BE49-F238E27FC236}">
-                <a16:creationId xmlns:a16="http://schemas.microsoft.com/office/drawing/2014/main" id="{F71772AC-2C25-13FA-49CE-59A3EC07975A}"/>
+                <a16:creationId xmlns:a16="http://schemas.microsoft.com/office/drawing/2014/main" id="{B375B472-4EE4-A706-577A-688BED3C9C52}"/>
               </a:ext>
             </a:extLst>
           </p:cNvPr>
@@ -488,7 +488,7 @@
           <p:cNvPr id="6" name="灯片编号占位符 5">
             <a:extLst>
               <a:ext uri="{FF2B5EF4-FFF2-40B4-BE49-F238E27FC236}">
-                <a16:creationId xmlns:a16="http://schemas.microsoft.com/office/drawing/2014/main" id="{83A57B92-531C-BA22-849A-A7850153F885}"/>
+                <a16:creationId xmlns:a16="http://schemas.microsoft.com/office/drawing/2014/main" id="{67A03BE6-FDD8-6615-607C-A785969171A7}"/>
               </a:ext>
             </a:extLst>
           </p:cNvPr>
@@ -504,7 +504,7 @@
           <a:bodyPr/>
           <a:lstStyle/>
           <a:p>
-            <a:fld id="{BB0C4D00-2A08-4FCC-97C3-E2C08C3143AA}" type="slidenum">
+            <a:fld id="{C6E97603-C168-48D2-A22D-185F99AD5483}" type="slidenum">
               <a:rPr lang="zh-CN" altLang="en-US" smtClean="0"/>
               <a:t>‹#›</a:t>
             </a:fld>
@@ -515,7 +515,7 @@
     </p:spTree>
     <p:extLst>
       <p:ext uri="{BB962C8B-B14F-4D97-AF65-F5344CB8AC3E}">
-        <p14:creationId xmlns:p14="http://schemas.microsoft.com/office/powerpoint/2010/main" val="2316740227"/>
+        <p14:creationId xmlns:p14="http://schemas.microsoft.com/office/powerpoint/2010/main" val="1535149042"/>
       </p:ext>
     </p:extLst>
   </p:cSld>
@@ -547,7 +547,7 @@
           <p:cNvPr id="2" name="竖排标题 1">
             <a:extLst>
               <a:ext uri="{FF2B5EF4-FFF2-40B4-BE49-F238E27FC236}">
-                <a16:creationId xmlns:a16="http://schemas.microsoft.com/office/drawing/2014/main" id="{7C341AAF-7BF5-CBE5-AF41-4FB4136A7B44}"/>
+                <a16:creationId xmlns:a16="http://schemas.microsoft.com/office/drawing/2014/main" id="{04D25F75-4CF4-6998-9117-B803A817EFBE}"/>
               </a:ext>
             </a:extLst>
           </p:cNvPr>
@@ -580,7 +580,7 @@
           <p:cNvPr id="3" name="竖排文字占位符 2">
             <a:extLst>
               <a:ext uri="{FF2B5EF4-FFF2-40B4-BE49-F238E27FC236}">
-                <a16:creationId xmlns:a16="http://schemas.microsoft.com/office/drawing/2014/main" id="{D2300B73-66E2-C67E-83C8-2401EC4A65F7}"/>
+                <a16:creationId xmlns:a16="http://schemas.microsoft.com/office/drawing/2014/main" id="{7F9801CE-F921-E83E-3937-FFFF959CAC7E}"/>
               </a:ext>
             </a:extLst>
           </p:cNvPr>
@@ -642,7 +642,7 @@
           <p:cNvPr id="4" name="日期占位符 3">
             <a:extLst>
               <a:ext uri="{FF2B5EF4-FFF2-40B4-BE49-F238E27FC236}">
-                <a16:creationId xmlns:a16="http://schemas.microsoft.com/office/drawing/2014/main" id="{B313CEBA-044D-B941-E6C9-8D8C70EEB94F}"/>
+                <a16:creationId xmlns:a16="http://schemas.microsoft.com/office/drawing/2014/main" id="{E98E74CB-F803-0CB9-3332-8AF7C1591BE3}"/>
               </a:ext>
             </a:extLst>
           </p:cNvPr>
@@ -658,7 +658,7 @@
           <a:bodyPr/>
           <a:lstStyle/>
           <a:p>
-            <a:fld id="{6B13A9B7-F79E-4C04-BED9-60C6EB7F71C0}" type="datetimeFigureOut">
+            <a:fld id="{6A3C2552-897C-4277-A1ED-A723CBE4BA76}" type="datetimeFigureOut">
               <a:rPr lang="zh-CN" altLang="en-US" smtClean="0"/>
               <a:t>2024/3/10</a:t>
             </a:fld>
@@ -671,7 +671,7 @@
           <p:cNvPr id="5" name="页脚占位符 4">
             <a:extLst>
               <a:ext uri="{FF2B5EF4-FFF2-40B4-BE49-F238E27FC236}">
-                <a16:creationId xmlns:a16="http://schemas.microsoft.com/office/drawing/2014/main" id="{7B1C7108-A557-D381-8C75-1FE3ECF399FE}"/>
+                <a16:creationId xmlns:a16="http://schemas.microsoft.com/office/drawing/2014/main" id="{7D696EF8-97E2-8DF8-5F23-666258A34096}"/>
               </a:ext>
             </a:extLst>
           </p:cNvPr>
@@ -696,7 +696,7 @@
           <p:cNvPr id="6" name="灯片编号占位符 5">
             <a:extLst>
               <a:ext uri="{FF2B5EF4-FFF2-40B4-BE49-F238E27FC236}">
-                <a16:creationId xmlns:a16="http://schemas.microsoft.com/office/drawing/2014/main" id="{6BC0549D-5348-9AB9-3A79-5BDF0630293A}"/>
+                <a16:creationId xmlns:a16="http://schemas.microsoft.com/office/drawing/2014/main" id="{F5D6A8AC-4EC3-8A17-3569-6477BC73D32D}"/>
               </a:ext>
             </a:extLst>
           </p:cNvPr>
@@ -712,7 +712,7 @@
           <a:bodyPr/>
           <a:lstStyle/>
           <a:p>
-            <a:fld id="{BB0C4D00-2A08-4FCC-97C3-E2C08C3143AA}" type="slidenum">
+            <a:fld id="{C6E97603-C168-48D2-A22D-185F99AD5483}" type="slidenum">
               <a:rPr lang="zh-CN" altLang="en-US" smtClean="0"/>
               <a:t>‹#›</a:t>
             </a:fld>
@@ -723,7 +723,7 @@
     </p:spTree>
     <p:extLst>
       <p:ext uri="{BB962C8B-B14F-4D97-AF65-F5344CB8AC3E}">
-        <p14:creationId xmlns:p14="http://schemas.microsoft.com/office/powerpoint/2010/main" val="3842338292"/>
+        <p14:creationId xmlns:p14="http://schemas.microsoft.com/office/powerpoint/2010/main" val="3754058997"/>
       </p:ext>
     </p:extLst>
   </p:cSld>
@@ -755,7 +755,7 @@
           <p:cNvPr id="2" name="标题 1">
             <a:extLst>
               <a:ext uri="{FF2B5EF4-FFF2-40B4-BE49-F238E27FC236}">
-                <a16:creationId xmlns:a16="http://schemas.microsoft.com/office/drawing/2014/main" id="{55DA1445-064F-3931-61B9-6E5253B0E8D0}"/>
+                <a16:creationId xmlns:a16="http://schemas.microsoft.com/office/drawing/2014/main" id="{8ABA221D-EBDA-2F04-0FD9-BBF36EB01929}"/>
               </a:ext>
             </a:extLst>
           </p:cNvPr>
@@ -783,7 +783,7 @@
           <p:cNvPr id="3" name="内容占位符 2">
             <a:extLst>
               <a:ext uri="{FF2B5EF4-FFF2-40B4-BE49-F238E27FC236}">
-                <a16:creationId xmlns:a16="http://schemas.microsoft.com/office/drawing/2014/main" id="{CD6BF136-86AD-CF01-3C7A-7E4AACF43BD6}"/>
+                <a16:creationId xmlns:a16="http://schemas.microsoft.com/office/drawing/2014/main" id="{C9869BF2-0E48-1FA9-0A51-FF33CB9DE40F}"/>
               </a:ext>
             </a:extLst>
           </p:cNvPr>
@@ -840,7 +840,7 @@
           <p:cNvPr id="4" name="日期占位符 3">
             <a:extLst>
               <a:ext uri="{FF2B5EF4-FFF2-40B4-BE49-F238E27FC236}">
-                <a16:creationId xmlns:a16="http://schemas.microsoft.com/office/drawing/2014/main" id="{649D10FB-FEDB-FD00-D399-DE5C64B2E979}"/>
+                <a16:creationId xmlns:a16="http://schemas.microsoft.com/office/drawing/2014/main" id="{47F3A297-A2A0-D5B4-B14B-BED15C13A3C4}"/>
               </a:ext>
             </a:extLst>
           </p:cNvPr>
@@ -856,7 +856,7 @@
           <a:bodyPr/>
           <a:lstStyle/>
           <a:p>
-            <a:fld id="{6B13A9B7-F79E-4C04-BED9-60C6EB7F71C0}" type="datetimeFigureOut">
+            <a:fld id="{6A3C2552-897C-4277-A1ED-A723CBE4BA76}" type="datetimeFigureOut">
               <a:rPr lang="zh-CN" altLang="en-US" smtClean="0"/>
               <a:t>2024/3/10</a:t>
             </a:fld>
@@ -869,7 +869,7 @@
           <p:cNvPr id="5" name="页脚占位符 4">
             <a:extLst>
               <a:ext uri="{FF2B5EF4-FFF2-40B4-BE49-F238E27FC236}">
-                <a16:creationId xmlns:a16="http://schemas.microsoft.com/office/drawing/2014/main" id="{D7DF2F5E-EA13-E401-3B2D-C1615439281B}"/>
+                <a16:creationId xmlns:a16="http://schemas.microsoft.com/office/drawing/2014/main" id="{BE1B0E7F-6F58-618E-794C-7455FEEF0834}"/>
               </a:ext>
             </a:extLst>
           </p:cNvPr>
@@ -894,7 +894,7 @@
           <p:cNvPr id="6" name="灯片编号占位符 5">
             <a:extLst>
               <a:ext uri="{FF2B5EF4-FFF2-40B4-BE49-F238E27FC236}">
-                <a16:creationId xmlns:a16="http://schemas.microsoft.com/office/drawing/2014/main" id="{E4C61D86-CC3F-9FC6-F502-ECC90A71FD32}"/>
+                <a16:creationId xmlns:a16="http://schemas.microsoft.com/office/drawing/2014/main" id="{4368C554-294B-2FEA-8363-56DF0300E617}"/>
               </a:ext>
             </a:extLst>
           </p:cNvPr>
@@ -910,7 +910,7 @@
           <a:bodyPr/>
           <a:lstStyle/>
           <a:p>
-            <a:fld id="{BB0C4D00-2A08-4FCC-97C3-E2C08C3143AA}" type="slidenum">
+            <a:fld id="{C6E97603-C168-48D2-A22D-185F99AD5483}" type="slidenum">
               <a:rPr lang="zh-CN" altLang="en-US" smtClean="0"/>
               <a:t>‹#›</a:t>
             </a:fld>
@@ -921,7 +921,7 @@
     </p:spTree>
     <p:extLst>
       <p:ext uri="{BB962C8B-B14F-4D97-AF65-F5344CB8AC3E}">
-        <p14:creationId xmlns:p14="http://schemas.microsoft.com/office/powerpoint/2010/main" val="205499382"/>
+        <p14:creationId xmlns:p14="http://schemas.microsoft.com/office/powerpoint/2010/main" val="413488855"/>
       </p:ext>
     </p:extLst>
   </p:cSld>
@@ -953,7 +953,7 @@
           <p:cNvPr id="2" name="标题 1">
             <a:extLst>
               <a:ext uri="{FF2B5EF4-FFF2-40B4-BE49-F238E27FC236}">
-                <a16:creationId xmlns:a16="http://schemas.microsoft.com/office/drawing/2014/main" id="{F532975D-79A8-A277-CE20-F00EBF27B831}"/>
+                <a16:creationId xmlns:a16="http://schemas.microsoft.com/office/drawing/2014/main" id="{AA018689-2D07-FBFF-43C6-8C805C37C743}"/>
               </a:ext>
             </a:extLst>
           </p:cNvPr>
@@ -990,7 +990,7 @@
           <p:cNvPr id="3" name="文本占位符 2">
             <a:extLst>
               <a:ext uri="{FF2B5EF4-FFF2-40B4-BE49-F238E27FC236}">
-                <a16:creationId xmlns:a16="http://schemas.microsoft.com/office/drawing/2014/main" id="{E0C48EE9-0B29-47AF-6D3E-503A25FB4193}"/>
+                <a16:creationId xmlns:a16="http://schemas.microsoft.com/office/drawing/2014/main" id="{F58BA037-A323-643A-73DC-1FFA74704BD8}"/>
               </a:ext>
             </a:extLst>
           </p:cNvPr>
@@ -1115,7 +1115,7 @@
           <p:cNvPr id="4" name="日期占位符 3">
             <a:extLst>
               <a:ext uri="{FF2B5EF4-FFF2-40B4-BE49-F238E27FC236}">
-                <a16:creationId xmlns:a16="http://schemas.microsoft.com/office/drawing/2014/main" id="{AC5CCAD3-3A69-2CCC-7FEC-80942633F959}"/>
+                <a16:creationId xmlns:a16="http://schemas.microsoft.com/office/drawing/2014/main" id="{F6AF24B2-B294-9695-8664-D2D954CD414B}"/>
               </a:ext>
             </a:extLst>
           </p:cNvPr>
@@ -1131,7 +1131,7 @@
           <a:bodyPr/>
           <a:lstStyle/>
           <a:p>
-            <a:fld id="{6B13A9B7-F79E-4C04-BED9-60C6EB7F71C0}" type="datetimeFigureOut">
+            <a:fld id="{6A3C2552-897C-4277-A1ED-A723CBE4BA76}" type="datetimeFigureOut">
               <a:rPr lang="zh-CN" altLang="en-US" smtClean="0"/>
               <a:t>2024/3/10</a:t>
             </a:fld>
@@ -1144,7 +1144,7 @@
           <p:cNvPr id="5" name="页脚占位符 4">
             <a:extLst>
               <a:ext uri="{FF2B5EF4-FFF2-40B4-BE49-F238E27FC236}">
-                <a16:creationId xmlns:a16="http://schemas.microsoft.com/office/drawing/2014/main" id="{55EC4434-A418-714F-6207-F4DBAF97CB97}"/>
+                <a16:creationId xmlns:a16="http://schemas.microsoft.com/office/drawing/2014/main" id="{F3EB552D-116F-678F-A853-FF6227D9FB2C}"/>
               </a:ext>
             </a:extLst>
           </p:cNvPr>
@@ -1169,7 +1169,7 @@
           <p:cNvPr id="6" name="灯片编号占位符 5">
             <a:extLst>
               <a:ext uri="{FF2B5EF4-FFF2-40B4-BE49-F238E27FC236}">
-                <a16:creationId xmlns:a16="http://schemas.microsoft.com/office/drawing/2014/main" id="{539F5492-ADAD-9440-1DDC-0F657F7511DC}"/>
+                <a16:creationId xmlns:a16="http://schemas.microsoft.com/office/drawing/2014/main" id="{94A74F67-493B-0982-13D2-8AF5AECDE7DD}"/>
               </a:ext>
             </a:extLst>
           </p:cNvPr>
@@ -1185,7 +1185,7 @@
           <a:bodyPr/>
           <a:lstStyle/>
           <a:p>
-            <a:fld id="{BB0C4D00-2A08-4FCC-97C3-E2C08C3143AA}" type="slidenum">
+            <a:fld id="{C6E97603-C168-48D2-A22D-185F99AD5483}" type="slidenum">
               <a:rPr lang="zh-CN" altLang="en-US" smtClean="0"/>
               <a:t>‹#›</a:t>
             </a:fld>
@@ -1196,7 +1196,7 @@
     </p:spTree>
     <p:extLst>
       <p:ext uri="{BB962C8B-B14F-4D97-AF65-F5344CB8AC3E}">
-        <p14:creationId xmlns:p14="http://schemas.microsoft.com/office/powerpoint/2010/main" val="3822213918"/>
+        <p14:creationId xmlns:p14="http://schemas.microsoft.com/office/powerpoint/2010/main" val="2976340535"/>
       </p:ext>
     </p:extLst>
   </p:cSld>
@@ -1228,7 +1228,7 @@
           <p:cNvPr id="2" name="标题 1">
             <a:extLst>
               <a:ext uri="{FF2B5EF4-FFF2-40B4-BE49-F238E27FC236}">
-                <a16:creationId xmlns:a16="http://schemas.microsoft.com/office/drawing/2014/main" id="{B083CACF-DB3F-63FC-77A3-851588EA259A}"/>
+                <a16:creationId xmlns:a16="http://schemas.microsoft.com/office/drawing/2014/main" id="{066CF941-8460-8C20-9DD1-B05DADFDD081}"/>
               </a:ext>
             </a:extLst>
           </p:cNvPr>
@@ -1256,7 +1256,7 @@
           <p:cNvPr id="3" name="内容占位符 2">
             <a:extLst>
               <a:ext uri="{FF2B5EF4-FFF2-40B4-BE49-F238E27FC236}">
-                <a16:creationId xmlns:a16="http://schemas.microsoft.com/office/drawing/2014/main" id="{D01388E6-4547-A1A4-166E-D0D98F783D25}"/>
+                <a16:creationId xmlns:a16="http://schemas.microsoft.com/office/drawing/2014/main" id="{0B384B67-9252-B46C-9B9D-87172D4ABF72}"/>
               </a:ext>
             </a:extLst>
           </p:cNvPr>
@@ -1318,7 +1318,7 @@
           <p:cNvPr id="4" name="内容占位符 3">
             <a:extLst>
               <a:ext uri="{FF2B5EF4-FFF2-40B4-BE49-F238E27FC236}">
-                <a16:creationId xmlns:a16="http://schemas.microsoft.com/office/drawing/2014/main" id="{ECEF504E-DF1A-9068-A92E-A1A0FF267C5D}"/>
+                <a16:creationId xmlns:a16="http://schemas.microsoft.com/office/drawing/2014/main" id="{2286A91B-7FD5-5D05-2FFA-33A307BC85A3}"/>
               </a:ext>
             </a:extLst>
           </p:cNvPr>
@@ -1380,7 +1380,7 @@
           <p:cNvPr id="5" name="日期占位符 4">
             <a:extLst>
               <a:ext uri="{FF2B5EF4-FFF2-40B4-BE49-F238E27FC236}">
-                <a16:creationId xmlns:a16="http://schemas.microsoft.com/office/drawing/2014/main" id="{8F171EEC-67AB-3961-F2FE-D48F984F2D42}"/>
+                <a16:creationId xmlns:a16="http://schemas.microsoft.com/office/drawing/2014/main" id="{D5E863BF-DEA5-BB53-16AD-C3518EE6A84A}"/>
               </a:ext>
             </a:extLst>
           </p:cNvPr>
@@ -1396,7 +1396,7 @@
           <a:bodyPr/>
           <a:lstStyle/>
           <a:p>
-            <a:fld id="{6B13A9B7-F79E-4C04-BED9-60C6EB7F71C0}" type="datetimeFigureOut">
+            <a:fld id="{6A3C2552-897C-4277-A1ED-A723CBE4BA76}" type="datetimeFigureOut">
               <a:rPr lang="zh-CN" altLang="en-US" smtClean="0"/>
               <a:t>2024/3/10</a:t>
             </a:fld>
@@ -1409,7 +1409,7 @@
           <p:cNvPr id="6" name="页脚占位符 5">
             <a:extLst>
               <a:ext uri="{FF2B5EF4-FFF2-40B4-BE49-F238E27FC236}">
-                <a16:creationId xmlns:a16="http://schemas.microsoft.com/office/drawing/2014/main" id="{7970BBF3-399E-B08F-5C32-B5625E99E774}"/>
+                <a16:creationId xmlns:a16="http://schemas.microsoft.com/office/drawing/2014/main" id="{7E26FC25-51C1-1668-09A5-BCEA8D85B33F}"/>
               </a:ext>
             </a:extLst>
           </p:cNvPr>
@@ -1434,7 +1434,7 @@
           <p:cNvPr id="7" name="灯片编号占位符 6">
             <a:extLst>
               <a:ext uri="{FF2B5EF4-FFF2-40B4-BE49-F238E27FC236}">
-                <a16:creationId xmlns:a16="http://schemas.microsoft.com/office/drawing/2014/main" id="{14C52C0A-1492-5241-13EB-F4F8F350C5FD}"/>
+                <a16:creationId xmlns:a16="http://schemas.microsoft.com/office/drawing/2014/main" id="{324A44D7-D363-BF71-7A19-5FA62B01517A}"/>
               </a:ext>
             </a:extLst>
           </p:cNvPr>
@@ -1450,7 +1450,7 @@
           <a:bodyPr/>
           <a:lstStyle/>
           <a:p>
-            <a:fld id="{BB0C4D00-2A08-4FCC-97C3-E2C08C3143AA}" type="slidenum">
+            <a:fld id="{C6E97603-C168-48D2-A22D-185F99AD5483}" type="slidenum">
               <a:rPr lang="zh-CN" altLang="en-US" smtClean="0"/>
               <a:t>‹#›</a:t>
             </a:fld>
@@ -1461,7 +1461,7 @@
     </p:spTree>
     <p:extLst>
       <p:ext uri="{BB962C8B-B14F-4D97-AF65-F5344CB8AC3E}">
-        <p14:creationId xmlns:p14="http://schemas.microsoft.com/office/powerpoint/2010/main" val="1052287866"/>
+        <p14:creationId xmlns:p14="http://schemas.microsoft.com/office/powerpoint/2010/main" val="1703018869"/>
       </p:ext>
     </p:extLst>
   </p:cSld>
@@ -1493,7 +1493,7 @@
           <p:cNvPr id="2" name="标题 1">
             <a:extLst>
               <a:ext uri="{FF2B5EF4-FFF2-40B4-BE49-F238E27FC236}">
-                <a16:creationId xmlns:a16="http://schemas.microsoft.com/office/drawing/2014/main" id="{1D145D98-2D3E-C57E-4560-1043EFB552C8}"/>
+                <a16:creationId xmlns:a16="http://schemas.microsoft.com/office/drawing/2014/main" id="{249D5CBC-105E-1499-7FE3-6998454CDE5A}"/>
               </a:ext>
             </a:extLst>
           </p:cNvPr>
@@ -1526,7 +1526,7 @@
           <p:cNvPr id="3" name="文本占位符 2">
             <a:extLst>
               <a:ext uri="{FF2B5EF4-FFF2-40B4-BE49-F238E27FC236}">
-                <a16:creationId xmlns:a16="http://schemas.microsoft.com/office/drawing/2014/main" id="{7F429148-EA10-C245-3710-CDC72F7E33EB}"/>
+                <a16:creationId xmlns:a16="http://schemas.microsoft.com/office/drawing/2014/main" id="{34C82386-2961-41D0-E7B2-0A7AC3B39EF0}"/>
               </a:ext>
             </a:extLst>
           </p:cNvPr>
@@ -1597,7 +1597,7 @@
           <p:cNvPr id="4" name="内容占位符 3">
             <a:extLst>
               <a:ext uri="{FF2B5EF4-FFF2-40B4-BE49-F238E27FC236}">
-                <a16:creationId xmlns:a16="http://schemas.microsoft.com/office/drawing/2014/main" id="{C20D955B-EC8A-F884-7262-7E4C135C480F}"/>
+                <a16:creationId xmlns:a16="http://schemas.microsoft.com/office/drawing/2014/main" id="{353FE0FA-C193-FC85-1570-06EDDFE075C5}"/>
               </a:ext>
             </a:extLst>
           </p:cNvPr>
@@ -1659,7 +1659,7 @@
           <p:cNvPr id="5" name="文本占位符 4">
             <a:extLst>
               <a:ext uri="{FF2B5EF4-FFF2-40B4-BE49-F238E27FC236}">
-                <a16:creationId xmlns:a16="http://schemas.microsoft.com/office/drawing/2014/main" id="{FEDB28CF-B1A1-DB03-9B0C-F58A4F195E82}"/>
+                <a16:creationId xmlns:a16="http://schemas.microsoft.com/office/drawing/2014/main" id="{8D76E81E-F9CA-0497-AFB8-8C1D29CCD04B}"/>
               </a:ext>
             </a:extLst>
           </p:cNvPr>
@@ -1730,7 +1730,7 @@
           <p:cNvPr id="6" name="内容占位符 5">
             <a:extLst>
               <a:ext uri="{FF2B5EF4-FFF2-40B4-BE49-F238E27FC236}">
-                <a16:creationId xmlns:a16="http://schemas.microsoft.com/office/drawing/2014/main" id="{241BDC1F-EE59-9FD6-6F0F-830E99D269C2}"/>
+                <a16:creationId xmlns:a16="http://schemas.microsoft.com/office/drawing/2014/main" id="{3BE40C2A-F45E-EC01-C306-BF338A19F126}"/>
               </a:ext>
             </a:extLst>
           </p:cNvPr>
@@ -1792,7 +1792,7 @@
           <p:cNvPr id="7" name="日期占位符 6">
             <a:extLst>
               <a:ext uri="{FF2B5EF4-FFF2-40B4-BE49-F238E27FC236}">
-                <a16:creationId xmlns:a16="http://schemas.microsoft.com/office/drawing/2014/main" id="{981A8F89-8D37-8BF7-2F6E-8331E9AFBF8F}"/>
+                <a16:creationId xmlns:a16="http://schemas.microsoft.com/office/drawing/2014/main" id="{6209142C-D302-A411-1455-61901BEFF166}"/>
               </a:ext>
             </a:extLst>
           </p:cNvPr>
@@ -1808,7 +1808,7 @@
           <a:bodyPr/>
           <a:lstStyle/>
           <a:p>
-            <a:fld id="{6B13A9B7-F79E-4C04-BED9-60C6EB7F71C0}" type="datetimeFigureOut">
+            <a:fld id="{6A3C2552-897C-4277-A1ED-A723CBE4BA76}" type="datetimeFigureOut">
               <a:rPr lang="zh-CN" altLang="en-US" smtClean="0"/>
               <a:t>2024/3/10</a:t>
             </a:fld>
@@ -1821,7 +1821,7 @@
           <p:cNvPr id="8" name="页脚占位符 7">
             <a:extLst>
               <a:ext uri="{FF2B5EF4-FFF2-40B4-BE49-F238E27FC236}">
-                <a16:creationId xmlns:a16="http://schemas.microsoft.com/office/drawing/2014/main" id="{2516A274-FE2C-FBEA-2161-AA832193843E}"/>
+                <a16:creationId xmlns:a16="http://schemas.microsoft.com/office/drawing/2014/main" id="{9763C00B-388F-8706-EDD2-2795F6BDED09}"/>
               </a:ext>
             </a:extLst>
           </p:cNvPr>
@@ -1846,7 +1846,7 @@
           <p:cNvPr id="9" name="灯片编号占位符 8">
             <a:extLst>
               <a:ext uri="{FF2B5EF4-FFF2-40B4-BE49-F238E27FC236}">
-                <a16:creationId xmlns:a16="http://schemas.microsoft.com/office/drawing/2014/main" id="{30C63B6A-01DB-76BA-B5AA-765919185A4B}"/>
+                <a16:creationId xmlns:a16="http://schemas.microsoft.com/office/drawing/2014/main" id="{92923BB3-602D-3ACF-A5CF-2C3EF982EEF5}"/>
               </a:ext>
             </a:extLst>
           </p:cNvPr>
@@ -1862,7 +1862,7 @@
           <a:bodyPr/>
           <a:lstStyle/>
           <a:p>
-            <a:fld id="{BB0C4D00-2A08-4FCC-97C3-E2C08C3143AA}" type="slidenum">
+            <a:fld id="{C6E97603-C168-48D2-A22D-185F99AD5483}" type="slidenum">
               <a:rPr lang="zh-CN" altLang="en-US" smtClean="0"/>
               <a:t>‹#›</a:t>
             </a:fld>
@@ -1873,7 +1873,7 @@
     </p:spTree>
     <p:extLst>
       <p:ext uri="{BB962C8B-B14F-4D97-AF65-F5344CB8AC3E}">
-        <p14:creationId xmlns:p14="http://schemas.microsoft.com/office/powerpoint/2010/main" val="2299541150"/>
+        <p14:creationId xmlns:p14="http://schemas.microsoft.com/office/powerpoint/2010/main" val="129556487"/>
       </p:ext>
     </p:extLst>
   </p:cSld>
@@ -1905,7 +1905,7 @@
           <p:cNvPr id="2" name="标题 1">
             <a:extLst>
               <a:ext uri="{FF2B5EF4-FFF2-40B4-BE49-F238E27FC236}">
-                <a16:creationId xmlns:a16="http://schemas.microsoft.com/office/drawing/2014/main" id="{07CD41BE-07B9-D7E1-5652-0B6D416CA77C}"/>
+                <a16:creationId xmlns:a16="http://schemas.microsoft.com/office/drawing/2014/main" id="{545D1796-FCBF-4E06-87FC-71B51169BFAC}"/>
               </a:ext>
             </a:extLst>
           </p:cNvPr>
@@ -1933,7 +1933,7 @@
           <p:cNvPr id="3" name="日期占位符 2">
             <a:extLst>
               <a:ext uri="{FF2B5EF4-FFF2-40B4-BE49-F238E27FC236}">
-                <a16:creationId xmlns:a16="http://schemas.microsoft.com/office/drawing/2014/main" id="{8DABAA20-1FE8-A954-D0B3-0665E0571A4F}"/>
+                <a16:creationId xmlns:a16="http://schemas.microsoft.com/office/drawing/2014/main" id="{AD8D7635-71A0-E245-9AD7-61E32F3D41B7}"/>
               </a:ext>
             </a:extLst>
           </p:cNvPr>
@@ -1949,7 +1949,7 @@
           <a:bodyPr/>
           <a:lstStyle/>
           <a:p>
-            <a:fld id="{6B13A9B7-F79E-4C04-BED9-60C6EB7F71C0}" type="datetimeFigureOut">
+            <a:fld id="{6A3C2552-897C-4277-A1ED-A723CBE4BA76}" type="datetimeFigureOut">
               <a:rPr lang="zh-CN" altLang="en-US" smtClean="0"/>
               <a:t>2024/3/10</a:t>
             </a:fld>
@@ -1962,7 +1962,7 @@
           <p:cNvPr id="4" name="页脚占位符 3">
             <a:extLst>
               <a:ext uri="{FF2B5EF4-FFF2-40B4-BE49-F238E27FC236}">
-                <a16:creationId xmlns:a16="http://schemas.microsoft.com/office/drawing/2014/main" id="{01FA81E3-FDD1-5EB7-FEEA-A56E6F1EAE0A}"/>
+                <a16:creationId xmlns:a16="http://schemas.microsoft.com/office/drawing/2014/main" id="{4CA0ECF0-D484-67C8-2EF8-D3C7D01CA138}"/>
               </a:ext>
             </a:extLst>
           </p:cNvPr>
@@ -1987,7 +1987,7 @@
           <p:cNvPr id="5" name="灯片编号占位符 4">
             <a:extLst>
               <a:ext uri="{FF2B5EF4-FFF2-40B4-BE49-F238E27FC236}">
-                <a16:creationId xmlns:a16="http://schemas.microsoft.com/office/drawing/2014/main" id="{735DF261-081A-1357-8995-5078DAE2B2BC}"/>
+                <a16:creationId xmlns:a16="http://schemas.microsoft.com/office/drawing/2014/main" id="{168205B7-5C2A-5448-1ECD-4F0B9BBD43CA}"/>
               </a:ext>
             </a:extLst>
           </p:cNvPr>
@@ -2003,7 +2003,7 @@
           <a:bodyPr/>
           <a:lstStyle/>
           <a:p>
-            <a:fld id="{BB0C4D00-2A08-4FCC-97C3-E2C08C3143AA}" type="slidenum">
+            <a:fld id="{C6E97603-C168-48D2-A22D-185F99AD5483}" type="slidenum">
               <a:rPr lang="zh-CN" altLang="en-US" smtClean="0"/>
               <a:t>‹#›</a:t>
             </a:fld>
@@ -2014,7 +2014,7 @@
     </p:spTree>
     <p:extLst>
       <p:ext uri="{BB962C8B-B14F-4D97-AF65-F5344CB8AC3E}">
-        <p14:creationId xmlns:p14="http://schemas.microsoft.com/office/powerpoint/2010/main" val="1483963608"/>
+        <p14:creationId xmlns:p14="http://schemas.microsoft.com/office/powerpoint/2010/main" val="2890526817"/>
       </p:ext>
     </p:extLst>
   </p:cSld>
@@ -2046,7 +2046,7 @@
           <p:cNvPr id="2" name="日期占位符 1">
             <a:extLst>
               <a:ext uri="{FF2B5EF4-FFF2-40B4-BE49-F238E27FC236}">
-                <a16:creationId xmlns:a16="http://schemas.microsoft.com/office/drawing/2014/main" id="{63233C05-3992-2391-1D61-5D47BE783E56}"/>
+                <a16:creationId xmlns:a16="http://schemas.microsoft.com/office/drawing/2014/main" id="{ACC72EB7-52FB-34EA-8BB7-514A1968FA19}"/>
               </a:ext>
             </a:extLst>
           </p:cNvPr>
@@ -2062,7 +2062,7 @@
           <a:bodyPr/>
           <a:lstStyle/>
           <a:p>
-            <a:fld id="{6B13A9B7-F79E-4C04-BED9-60C6EB7F71C0}" type="datetimeFigureOut">
+            <a:fld id="{6A3C2552-897C-4277-A1ED-A723CBE4BA76}" type="datetimeFigureOut">
               <a:rPr lang="zh-CN" altLang="en-US" smtClean="0"/>
               <a:t>2024/3/10</a:t>
             </a:fld>
@@ -2075,7 +2075,7 @@
           <p:cNvPr id="3" name="页脚占位符 2">
             <a:extLst>
               <a:ext uri="{FF2B5EF4-FFF2-40B4-BE49-F238E27FC236}">
-                <a16:creationId xmlns:a16="http://schemas.microsoft.com/office/drawing/2014/main" id="{9BF8AE16-1A50-89AE-95A4-24B2534B32D6}"/>
+                <a16:creationId xmlns:a16="http://schemas.microsoft.com/office/drawing/2014/main" id="{C40CAE30-C67A-6F55-39AC-30B33B21A752}"/>
               </a:ext>
             </a:extLst>
           </p:cNvPr>
@@ -2100,7 +2100,7 @@
           <p:cNvPr id="4" name="灯片编号占位符 3">
             <a:extLst>
               <a:ext uri="{FF2B5EF4-FFF2-40B4-BE49-F238E27FC236}">
-                <a16:creationId xmlns:a16="http://schemas.microsoft.com/office/drawing/2014/main" id="{AD78371F-BD47-46AF-30BD-4CC52F33BA8E}"/>
+                <a16:creationId xmlns:a16="http://schemas.microsoft.com/office/drawing/2014/main" id="{0C957DF2-810F-7DA0-417D-4BFC2E5CEA00}"/>
               </a:ext>
             </a:extLst>
           </p:cNvPr>
@@ -2116,7 +2116,7 @@
           <a:bodyPr/>
           <a:lstStyle/>
           <a:p>
-            <a:fld id="{BB0C4D00-2A08-4FCC-97C3-E2C08C3143AA}" type="slidenum">
+            <a:fld id="{C6E97603-C168-48D2-A22D-185F99AD5483}" type="slidenum">
               <a:rPr lang="zh-CN" altLang="en-US" smtClean="0"/>
               <a:t>‹#›</a:t>
             </a:fld>
@@ -2127,7 +2127,7 @@
     </p:spTree>
     <p:extLst>
       <p:ext uri="{BB962C8B-B14F-4D97-AF65-F5344CB8AC3E}">
-        <p14:creationId xmlns:p14="http://schemas.microsoft.com/office/powerpoint/2010/main" val="1544567376"/>
+        <p14:creationId xmlns:p14="http://schemas.microsoft.com/office/powerpoint/2010/main" val="1440325404"/>
       </p:ext>
     </p:extLst>
   </p:cSld>
@@ -2159,7 +2159,7 @@
           <p:cNvPr id="2" name="标题 1">
             <a:extLst>
               <a:ext uri="{FF2B5EF4-FFF2-40B4-BE49-F238E27FC236}">
-                <a16:creationId xmlns:a16="http://schemas.microsoft.com/office/drawing/2014/main" id="{1E8B8954-6A5E-46BE-63CA-CFA88E740167}"/>
+                <a16:creationId xmlns:a16="http://schemas.microsoft.com/office/drawing/2014/main" id="{F603C90A-529B-67DE-215D-3B070941DBAF}"/>
               </a:ext>
             </a:extLst>
           </p:cNvPr>
@@ -2196,7 +2196,7 @@
           <p:cNvPr id="3" name="内容占位符 2">
             <a:extLst>
               <a:ext uri="{FF2B5EF4-FFF2-40B4-BE49-F238E27FC236}">
-                <a16:creationId xmlns:a16="http://schemas.microsoft.com/office/drawing/2014/main" id="{0ED5A9B4-5EFC-A70B-BD30-835926247F1D}"/>
+                <a16:creationId xmlns:a16="http://schemas.microsoft.com/office/drawing/2014/main" id="{69E5D2CB-C233-3348-4264-84EFDE608B92}"/>
               </a:ext>
             </a:extLst>
           </p:cNvPr>
@@ -2286,7 +2286,7 @@
           <p:cNvPr id="4" name="文本占位符 3">
             <a:extLst>
               <a:ext uri="{FF2B5EF4-FFF2-40B4-BE49-F238E27FC236}">
-                <a16:creationId xmlns:a16="http://schemas.microsoft.com/office/drawing/2014/main" id="{CBEC02ED-E139-BC39-3F0F-FB315C75ADD3}"/>
+                <a16:creationId xmlns:a16="http://schemas.microsoft.com/office/drawing/2014/main" id="{C6EE63E9-FFAB-B8DC-5598-364FDFE28931}"/>
               </a:ext>
             </a:extLst>
           </p:cNvPr>
@@ -2357,7 +2357,7 @@
           <p:cNvPr id="5" name="日期占位符 4">
             <a:extLst>
               <a:ext uri="{FF2B5EF4-FFF2-40B4-BE49-F238E27FC236}">
-                <a16:creationId xmlns:a16="http://schemas.microsoft.com/office/drawing/2014/main" id="{464B1C6E-3788-AA13-8F1A-E6A655879908}"/>
+                <a16:creationId xmlns:a16="http://schemas.microsoft.com/office/drawing/2014/main" id="{391A34F7-C846-038C-D81A-023B13A5F80B}"/>
               </a:ext>
             </a:extLst>
           </p:cNvPr>
@@ -2373,7 +2373,7 @@
           <a:bodyPr/>
           <a:lstStyle/>
           <a:p>
-            <a:fld id="{6B13A9B7-F79E-4C04-BED9-60C6EB7F71C0}" type="datetimeFigureOut">
+            <a:fld id="{6A3C2552-897C-4277-A1ED-A723CBE4BA76}" type="datetimeFigureOut">
               <a:rPr lang="zh-CN" altLang="en-US" smtClean="0"/>
               <a:t>2024/3/10</a:t>
             </a:fld>
@@ -2386,7 +2386,7 @@
           <p:cNvPr id="6" name="页脚占位符 5">
             <a:extLst>
               <a:ext uri="{FF2B5EF4-FFF2-40B4-BE49-F238E27FC236}">
-                <a16:creationId xmlns:a16="http://schemas.microsoft.com/office/drawing/2014/main" id="{B5D049C1-6E37-DB4D-B655-9C4D8BD09F43}"/>
+                <a16:creationId xmlns:a16="http://schemas.microsoft.com/office/drawing/2014/main" id="{827F6C50-C6C2-4D36-1149-AF3BED9FEC1B}"/>
               </a:ext>
             </a:extLst>
           </p:cNvPr>
@@ -2411,7 +2411,7 @@
           <p:cNvPr id="7" name="灯片编号占位符 6">
             <a:extLst>
               <a:ext uri="{FF2B5EF4-FFF2-40B4-BE49-F238E27FC236}">
-                <a16:creationId xmlns:a16="http://schemas.microsoft.com/office/drawing/2014/main" id="{46E57B24-71EE-0CEF-1505-BFE7E749A046}"/>
+                <a16:creationId xmlns:a16="http://schemas.microsoft.com/office/drawing/2014/main" id="{BD1E5102-15C4-0733-BEF5-69A5C7900652}"/>
               </a:ext>
             </a:extLst>
           </p:cNvPr>
@@ -2427,7 +2427,7 @@
           <a:bodyPr/>
           <a:lstStyle/>
           <a:p>
-            <a:fld id="{BB0C4D00-2A08-4FCC-97C3-E2C08C3143AA}" type="slidenum">
+            <a:fld id="{C6E97603-C168-48D2-A22D-185F99AD5483}" type="slidenum">
               <a:rPr lang="zh-CN" altLang="en-US" smtClean="0"/>
               <a:t>‹#›</a:t>
             </a:fld>
@@ -2438,7 +2438,7 @@
     </p:spTree>
     <p:extLst>
       <p:ext uri="{BB962C8B-B14F-4D97-AF65-F5344CB8AC3E}">
-        <p14:creationId xmlns:p14="http://schemas.microsoft.com/office/powerpoint/2010/main" val="195780943"/>
+        <p14:creationId xmlns:p14="http://schemas.microsoft.com/office/powerpoint/2010/main" val="1490220612"/>
       </p:ext>
     </p:extLst>
   </p:cSld>
@@ -2470,7 +2470,7 @@
           <p:cNvPr id="2" name="标题 1">
             <a:extLst>
               <a:ext uri="{FF2B5EF4-FFF2-40B4-BE49-F238E27FC236}">
-                <a16:creationId xmlns:a16="http://schemas.microsoft.com/office/drawing/2014/main" id="{32D09532-7758-49E9-253C-FDF542DC9F73}"/>
+                <a16:creationId xmlns:a16="http://schemas.microsoft.com/office/drawing/2014/main" id="{A452E831-CA3E-D375-B81A-D20BA83781CE}"/>
               </a:ext>
             </a:extLst>
           </p:cNvPr>
@@ -2507,7 +2507,7 @@
           <p:cNvPr id="3" name="图片占位符 2">
             <a:extLst>
               <a:ext uri="{FF2B5EF4-FFF2-40B4-BE49-F238E27FC236}">
-                <a16:creationId xmlns:a16="http://schemas.microsoft.com/office/drawing/2014/main" id="{41F60F41-0D17-E81D-A5E9-D3A489567963}"/>
+                <a16:creationId xmlns:a16="http://schemas.microsoft.com/office/drawing/2014/main" id="{0008C9AB-0CB8-2C22-D799-F2CD117FA0C8}"/>
               </a:ext>
             </a:extLst>
           </p:cNvPr>
@@ -2574,7 +2574,7 @@
           <p:cNvPr id="4" name="文本占位符 3">
             <a:extLst>
               <a:ext uri="{FF2B5EF4-FFF2-40B4-BE49-F238E27FC236}">
-                <a16:creationId xmlns:a16="http://schemas.microsoft.com/office/drawing/2014/main" id="{5977C3E5-01F9-E0F1-6601-976FD9D7D34C}"/>
+                <a16:creationId xmlns:a16="http://schemas.microsoft.com/office/drawing/2014/main" id="{A7FD5A5A-8BDE-31F4-87D1-F5D1C7EB42C2}"/>
               </a:ext>
             </a:extLst>
           </p:cNvPr>
@@ -2645,7 +2645,7 @@
           <p:cNvPr id="5" name="日期占位符 4">
             <a:extLst>
               <a:ext uri="{FF2B5EF4-FFF2-40B4-BE49-F238E27FC236}">
-                <a16:creationId xmlns:a16="http://schemas.microsoft.com/office/drawing/2014/main" id="{DD6352C7-4BCE-7A67-4D72-AF98B30B11F4}"/>
+                <a16:creationId xmlns:a16="http://schemas.microsoft.com/office/drawing/2014/main" id="{83C7619E-0919-9674-878D-06DC3AA817B7}"/>
               </a:ext>
             </a:extLst>
           </p:cNvPr>
@@ -2661,7 +2661,7 @@
           <a:bodyPr/>
           <a:lstStyle/>
           <a:p>
-            <a:fld id="{6B13A9B7-F79E-4C04-BED9-60C6EB7F71C0}" type="datetimeFigureOut">
+            <a:fld id="{6A3C2552-897C-4277-A1ED-A723CBE4BA76}" type="datetimeFigureOut">
               <a:rPr lang="zh-CN" altLang="en-US" smtClean="0"/>
               <a:t>2024/3/10</a:t>
             </a:fld>
@@ -2674,7 +2674,7 @@
           <p:cNvPr id="6" name="页脚占位符 5">
             <a:extLst>
               <a:ext uri="{FF2B5EF4-FFF2-40B4-BE49-F238E27FC236}">
-                <a16:creationId xmlns:a16="http://schemas.microsoft.com/office/drawing/2014/main" id="{E9CB57B9-7EC0-E735-86FD-4B9ADCFAA9CF}"/>
+                <a16:creationId xmlns:a16="http://schemas.microsoft.com/office/drawing/2014/main" id="{27B72010-F5B9-8198-5284-533AED75F5F6}"/>
               </a:ext>
             </a:extLst>
           </p:cNvPr>
@@ -2699,7 +2699,7 @@
           <p:cNvPr id="7" name="灯片编号占位符 6">
             <a:extLst>
               <a:ext uri="{FF2B5EF4-FFF2-40B4-BE49-F238E27FC236}">
-                <a16:creationId xmlns:a16="http://schemas.microsoft.com/office/drawing/2014/main" id="{28AA19F0-7AA8-13F5-65BD-C2CCE2E323AA}"/>
+                <a16:creationId xmlns:a16="http://schemas.microsoft.com/office/drawing/2014/main" id="{83CE8CFE-B1C1-0750-B35F-6F3363831EE3}"/>
               </a:ext>
             </a:extLst>
           </p:cNvPr>
@@ -2715,7 +2715,7 @@
           <a:bodyPr/>
           <a:lstStyle/>
           <a:p>
-            <a:fld id="{BB0C4D00-2A08-4FCC-97C3-E2C08C3143AA}" type="slidenum">
+            <a:fld id="{C6E97603-C168-48D2-A22D-185F99AD5483}" type="slidenum">
               <a:rPr lang="zh-CN" altLang="en-US" smtClean="0"/>
               <a:t>‹#›</a:t>
             </a:fld>
@@ -2726,7 +2726,7 @@
     </p:spTree>
     <p:extLst>
       <p:ext uri="{BB962C8B-B14F-4D97-AF65-F5344CB8AC3E}">
-        <p14:creationId xmlns:p14="http://schemas.microsoft.com/office/powerpoint/2010/main" val="3179953428"/>
+        <p14:creationId xmlns:p14="http://schemas.microsoft.com/office/powerpoint/2010/main" val="1401756368"/>
       </p:ext>
     </p:extLst>
   </p:cSld>
@@ -2763,7 +2763,7 @@
           <p:cNvPr id="2" name="标题占位符 1">
             <a:extLst>
               <a:ext uri="{FF2B5EF4-FFF2-40B4-BE49-F238E27FC236}">
-                <a16:creationId xmlns:a16="http://schemas.microsoft.com/office/drawing/2014/main" id="{EA9889ED-DB7C-4ECA-EA7F-35612E409E5E}"/>
+                <a16:creationId xmlns:a16="http://schemas.microsoft.com/office/drawing/2014/main" id="{81986D4B-7B4B-34D5-F373-18DBEEFCA93B}"/>
               </a:ext>
             </a:extLst>
           </p:cNvPr>
@@ -2801,7 +2801,7 @@
           <p:cNvPr id="3" name="文本占位符 2">
             <a:extLst>
               <a:ext uri="{FF2B5EF4-FFF2-40B4-BE49-F238E27FC236}">
-                <a16:creationId xmlns:a16="http://schemas.microsoft.com/office/drawing/2014/main" id="{DD248AF0-2897-A512-D40B-03F5B365B707}"/>
+                <a16:creationId xmlns:a16="http://schemas.microsoft.com/office/drawing/2014/main" id="{0B2794AB-A7DE-B8B7-1314-1CA6C78E9A9C}"/>
               </a:ext>
             </a:extLst>
           </p:cNvPr>
@@ -2868,7 +2868,7 @@
           <p:cNvPr id="4" name="日期占位符 3">
             <a:extLst>
               <a:ext uri="{FF2B5EF4-FFF2-40B4-BE49-F238E27FC236}">
-                <a16:creationId xmlns:a16="http://schemas.microsoft.com/office/drawing/2014/main" id="{F8945C50-01F2-CB37-19E4-B067E973F2CB}"/>
+                <a16:creationId xmlns:a16="http://schemas.microsoft.com/office/drawing/2014/main" id="{1EE2FB00-84AE-0946-3F60-322E7FEC7DA2}"/>
               </a:ext>
             </a:extLst>
           </p:cNvPr>
@@ -2902,7 +2902,7 @@
             </a:lvl1pPr>
           </a:lstStyle>
           <a:p>
-            <a:fld id="{6B13A9B7-F79E-4C04-BED9-60C6EB7F71C0}" type="datetimeFigureOut">
+            <a:fld id="{6A3C2552-897C-4277-A1ED-A723CBE4BA76}" type="datetimeFigureOut">
               <a:rPr lang="zh-CN" altLang="en-US" smtClean="0"/>
               <a:t>2024/3/10</a:t>
             </a:fld>
@@ -2915,7 +2915,7 @@
           <p:cNvPr id="5" name="页脚占位符 4">
             <a:extLst>
               <a:ext uri="{FF2B5EF4-FFF2-40B4-BE49-F238E27FC236}">
-                <a16:creationId xmlns:a16="http://schemas.microsoft.com/office/drawing/2014/main" id="{32314AAB-4938-B05E-4F60-C506A472545A}"/>
+                <a16:creationId xmlns:a16="http://schemas.microsoft.com/office/drawing/2014/main" id="{F6A9BFEF-64E3-3CF0-AFB3-3F0F9AAEB7FC}"/>
               </a:ext>
             </a:extLst>
           </p:cNvPr>
@@ -2958,7 +2958,7 @@
           <p:cNvPr id="6" name="灯片编号占位符 5">
             <a:extLst>
               <a:ext uri="{FF2B5EF4-FFF2-40B4-BE49-F238E27FC236}">
-                <a16:creationId xmlns:a16="http://schemas.microsoft.com/office/drawing/2014/main" id="{9F1C4D56-7D68-4E48-CAE6-E88AEDA3C0F4}"/>
+                <a16:creationId xmlns:a16="http://schemas.microsoft.com/office/drawing/2014/main" id="{5434466D-7659-21D9-3AEC-1F1806630420}"/>
               </a:ext>
             </a:extLst>
           </p:cNvPr>
@@ -2992,7 +2992,7 @@
             </a:lvl1pPr>
           </a:lstStyle>
           <a:p>
-            <a:fld id="{BB0C4D00-2A08-4FCC-97C3-E2C08C3143AA}" type="slidenum">
+            <a:fld id="{C6E97603-C168-48D2-A22D-185F99AD5483}" type="slidenum">
               <a:rPr lang="zh-CN" altLang="en-US" smtClean="0"/>
               <a:t>‹#›</a:t>
             </a:fld>
@@ -3003,7 +3003,7 @@
     </p:spTree>
     <p:extLst>
       <p:ext uri="{BB962C8B-B14F-4D97-AF65-F5344CB8AC3E}">
-        <p14:creationId xmlns:p14="http://schemas.microsoft.com/office/powerpoint/2010/main" val="3413079894"/>
+        <p14:creationId xmlns:p14="http://schemas.microsoft.com/office/powerpoint/2010/main" val="3057817721"/>
       </p:ext>
     </p:extLst>
   </p:cSld>
@@ -3323,7 +3323,7 @@
       </p:grpSpPr>
       <p:pic>
         <p:nvPicPr>
-          <p:cNvPr id="360450" name="Picture 2" descr="351"/>
+          <p:cNvPr id="361474" name="Picture 2" descr="352"/>
           <p:cNvPicPr>
             <a:picLocks noChangeAspect="1" noChangeArrowheads="1"/>
           </p:cNvPicPr>
